--- a/PhoneBook/design.pptx
+++ b/PhoneBook/design.pptx
@@ -260,7 +260,7 @@
           <a:p>
             <a:fld id="{E4BE0E3B-BA92-4377-AAB5-7F359DD67D79}" type="datetimeFigureOut">
               <a:rPr lang="en-US" smtClean="0"/>
-              <a:t>11/3/2021</a:t>
+              <a:t>11/21/2021</a:t>
             </a:fld>
             <a:endParaRPr lang="en-US"/>
           </a:p>
@@ -458,7 +458,7 @@
           <a:p>
             <a:fld id="{E4BE0E3B-BA92-4377-AAB5-7F359DD67D79}" type="datetimeFigureOut">
               <a:rPr lang="en-US" smtClean="0"/>
-              <a:t>11/3/2021</a:t>
+              <a:t>11/21/2021</a:t>
             </a:fld>
             <a:endParaRPr lang="en-US"/>
           </a:p>
@@ -666,7 +666,7 @@
           <a:p>
             <a:fld id="{E4BE0E3B-BA92-4377-AAB5-7F359DD67D79}" type="datetimeFigureOut">
               <a:rPr lang="en-US" smtClean="0"/>
-              <a:t>11/3/2021</a:t>
+              <a:t>11/21/2021</a:t>
             </a:fld>
             <a:endParaRPr lang="en-US"/>
           </a:p>
@@ -864,7 +864,7 @@
           <a:p>
             <a:fld id="{E4BE0E3B-BA92-4377-AAB5-7F359DD67D79}" type="datetimeFigureOut">
               <a:rPr lang="en-US" smtClean="0"/>
-              <a:t>11/3/2021</a:t>
+              <a:t>11/21/2021</a:t>
             </a:fld>
             <a:endParaRPr lang="en-US"/>
           </a:p>
@@ -1139,7 +1139,7 @@
           <a:p>
             <a:fld id="{E4BE0E3B-BA92-4377-AAB5-7F359DD67D79}" type="datetimeFigureOut">
               <a:rPr lang="en-US" smtClean="0"/>
-              <a:t>11/3/2021</a:t>
+              <a:t>11/21/2021</a:t>
             </a:fld>
             <a:endParaRPr lang="en-US"/>
           </a:p>
@@ -1404,7 +1404,7 @@
           <a:p>
             <a:fld id="{E4BE0E3B-BA92-4377-AAB5-7F359DD67D79}" type="datetimeFigureOut">
               <a:rPr lang="en-US" smtClean="0"/>
-              <a:t>11/3/2021</a:t>
+              <a:t>11/21/2021</a:t>
             </a:fld>
             <a:endParaRPr lang="en-US"/>
           </a:p>
@@ -1816,7 +1816,7 @@
           <a:p>
             <a:fld id="{E4BE0E3B-BA92-4377-AAB5-7F359DD67D79}" type="datetimeFigureOut">
               <a:rPr lang="en-US" smtClean="0"/>
-              <a:t>11/3/2021</a:t>
+              <a:t>11/21/2021</a:t>
             </a:fld>
             <a:endParaRPr lang="en-US"/>
           </a:p>
@@ -1957,7 +1957,7 @@
           <a:p>
             <a:fld id="{E4BE0E3B-BA92-4377-AAB5-7F359DD67D79}" type="datetimeFigureOut">
               <a:rPr lang="en-US" smtClean="0"/>
-              <a:t>11/3/2021</a:t>
+              <a:t>11/21/2021</a:t>
             </a:fld>
             <a:endParaRPr lang="en-US"/>
           </a:p>
@@ -2070,7 +2070,7 @@
           <a:p>
             <a:fld id="{E4BE0E3B-BA92-4377-AAB5-7F359DD67D79}" type="datetimeFigureOut">
               <a:rPr lang="en-US" smtClean="0"/>
-              <a:t>11/3/2021</a:t>
+              <a:t>11/21/2021</a:t>
             </a:fld>
             <a:endParaRPr lang="en-US"/>
           </a:p>
@@ -2381,7 +2381,7 @@
           <a:p>
             <a:fld id="{E4BE0E3B-BA92-4377-AAB5-7F359DD67D79}" type="datetimeFigureOut">
               <a:rPr lang="en-US" smtClean="0"/>
-              <a:t>11/3/2021</a:t>
+              <a:t>11/21/2021</a:t>
             </a:fld>
             <a:endParaRPr lang="en-US"/>
           </a:p>
@@ -2669,7 +2669,7 @@
           <a:p>
             <a:fld id="{E4BE0E3B-BA92-4377-AAB5-7F359DD67D79}" type="datetimeFigureOut">
               <a:rPr lang="en-US" smtClean="0"/>
-              <a:t>11/3/2021</a:t>
+              <a:t>11/21/2021</a:t>
             </a:fld>
             <a:endParaRPr lang="en-US"/>
           </a:p>
@@ -2910,7 +2910,7 @@
           <a:p>
             <a:fld id="{E4BE0E3B-BA92-4377-AAB5-7F359DD67D79}" type="datetimeFigureOut">
               <a:rPr lang="en-US" smtClean="0"/>
-              <a:t>11/3/2021</a:t>
+              <a:t>11/21/2021</a:t>
             </a:fld>
             <a:endParaRPr lang="en-US"/>
           </a:p>
@@ -3329,6 +3329,60 @@
       </p:grpSpPr>
       <p:sp>
         <p:nvSpPr>
+          <p:cNvPr id="23" name="Oval 22">
+            <a:extLst>
+              <a:ext uri="{FF2B5EF4-FFF2-40B4-BE49-F238E27FC236}">
+                <a16:creationId xmlns:a16="http://schemas.microsoft.com/office/drawing/2014/main" id="{7DA22DCF-EA6D-44C2-9176-75CB389F0417}"/>
+              </a:ext>
+            </a:extLst>
+          </p:cNvPr>
+          <p:cNvSpPr/>
+          <p:nvPr/>
+        </p:nvSpPr>
+        <p:spPr>
+          <a:xfrm>
+            <a:off x="5723267" y="1835386"/>
+            <a:ext cx="474649" cy="474649"/>
+          </a:xfrm>
+          <a:prstGeom prst="ellipse">
+            <a:avLst/>
+          </a:prstGeom>
+          <a:solidFill>
+            <a:srgbClr val="DBDBDB">
+              <a:alpha val="69020"/>
+            </a:srgbClr>
+          </a:solidFill>
+          <a:ln>
+            <a:noFill/>
+          </a:ln>
+        </p:spPr>
+        <p:style>
+          <a:lnRef idx="2">
+            <a:schemeClr val="accent1">
+              <a:shade val="50000"/>
+            </a:schemeClr>
+          </a:lnRef>
+          <a:fillRef idx="1">
+            <a:schemeClr val="accent1"/>
+          </a:fillRef>
+          <a:effectRef idx="0">
+            <a:schemeClr val="accent1"/>
+          </a:effectRef>
+          <a:fontRef idx="minor">
+            <a:schemeClr val="lt1"/>
+          </a:fontRef>
+        </p:style>
+        <p:txBody>
+          <a:bodyPr rtlCol="0" anchor="ctr"/>
+          <a:lstStyle/>
+          <a:p>
+            <a:pPr algn="ctr"/>
+            <a:endParaRPr lang="en-US"/>
+          </a:p>
+        </p:txBody>
+      </p:sp>
+      <p:sp>
+        <p:nvSpPr>
           <p:cNvPr id="4" name="Rectangle: Rounded Corners 3">
             <a:extLst>
               <a:ext uri="{FF2B5EF4-FFF2-40B4-BE49-F238E27FC236}">
@@ -3457,7 +3511,7 @@
         </p:blipFill>
         <p:spPr>
           <a:xfrm>
-            <a:off x="5868954" y="3094962"/>
+            <a:off x="5880675" y="3094962"/>
             <a:ext cx="634481" cy="668075"/>
           </a:xfrm>
           <a:prstGeom prst="rect">
@@ -3756,6 +3810,332 @@
               </a:solidFill>
               <a:latin typeface="Sitka Subheading" panose="02000505000000020004" pitchFamily="2" charset="0"/>
             </a:endParaRPr>
+          </a:p>
+        </p:txBody>
+      </p:sp>
+      <p:pic>
+        <p:nvPicPr>
+          <p:cNvPr id="10" name="Picture 9">
+            <a:extLst>
+              <a:ext uri="{FF2B5EF4-FFF2-40B4-BE49-F238E27FC236}">
+                <a16:creationId xmlns:a16="http://schemas.microsoft.com/office/drawing/2014/main" id="{D4197CE4-48FD-44CA-AF86-E9CFD531E24C}"/>
+              </a:ext>
+            </a:extLst>
+          </p:cNvPr>
+          <p:cNvPicPr>
+            <a:picLocks noChangeAspect="1"/>
+          </p:cNvPicPr>
+          <p:nvPr/>
+        </p:nvPicPr>
+        <p:blipFill>
+          <a:blip r:embed="rId5">
+            <a:extLst>
+              <a:ext uri="{28A0092B-C50C-407E-A947-70E740481C1C}">
+                <a14:useLocalDpi xmlns:a14="http://schemas.microsoft.com/office/drawing/2010/main" val="0"/>
+              </a:ext>
+            </a:extLst>
+          </a:blip>
+          <a:stretch>
+            <a:fillRect/>
+          </a:stretch>
+        </p:blipFill>
+        <p:spPr>
+          <a:xfrm>
+            <a:off x="9520829" y="5163854"/>
+            <a:ext cx="243861" cy="298730"/>
+          </a:xfrm>
+          <a:prstGeom prst="rect">
+            <a:avLst/>
+          </a:prstGeom>
+        </p:spPr>
+      </p:pic>
+      <p:sp>
+        <p:nvSpPr>
+          <p:cNvPr id="13" name="TextBox 12">
+            <a:extLst>
+              <a:ext uri="{FF2B5EF4-FFF2-40B4-BE49-F238E27FC236}">
+                <a16:creationId xmlns:a16="http://schemas.microsoft.com/office/drawing/2014/main" id="{058DB1DD-7FB3-4B08-9B53-F5ADC35AEBB4}"/>
+              </a:ext>
+            </a:extLst>
+          </p:cNvPr>
+          <p:cNvSpPr txBox="1"/>
+          <p:nvPr/>
+        </p:nvSpPr>
+        <p:spPr>
+          <a:xfrm>
+            <a:off x="8229602" y="5159774"/>
+            <a:ext cx="1579413" cy="246221"/>
+          </a:xfrm>
+          <a:prstGeom prst="rect">
+            <a:avLst/>
+          </a:prstGeom>
+          <a:noFill/>
+          <a:ln>
+            <a:solidFill>
+              <a:srgbClr val="425FF0"/>
+            </a:solidFill>
+            <a:prstDash val="lgDash"/>
+          </a:ln>
+        </p:spPr>
+        <p:txBody>
+          <a:bodyPr wrap="square" rtlCol="0">
+            <a:spAutoFit/>
+          </a:bodyPr>
+          <a:lstStyle/>
+          <a:p>
+            <a:r>
+              <a:rPr lang="en-US" sz="1000" dirty="0">
+                <a:solidFill>
+                  <a:srgbClr val="425FF0"/>
+                </a:solidFill>
+                <a:latin typeface="Arial" panose="020B0604020202020204" pitchFamily="34" charset="0"/>
+                <a:cs typeface="Arial" panose="020B0604020202020204" pitchFamily="34" charset="0"/>
+              </a:rPr>
+              <a:t>Add another phone</a:t>
+            </a:r>
+          </a:p>
+        </p:txBody>
+      </p:sp>
+      <p:pic>
+        <p:nvPicPr>
+          <p:cNvPr id="15" name="Picture 14">
+            <a:extLst>
+              <a:ext uri="{FF2B5EF4-FFF2-40B4-BE49-F238E27FC236}">
+                <a16:creationId xmlns:a16="http://schemas.microsoft.com/office/drawing/2014/main" id="{D637E8F9-518B-4A6C-A118-1A01FB1E7150}"/>
+              </a:ext>
+            </a:extLst>
+          </p:cNvPr>
+          <p:cNvPicPr>
+            <a:picLocks noChangeAspect="1"/>
+          </p:cNvPicPr>
+          <p:nvPr/>
+        </p:nvPicPr>
+        <p:blipFill>
+          <a:blip r:embed="rId6">
+            <a:extLst>
+              <a:ext uri="{28A0092B-C50C-407E-A947-70E740481C1C}">
+                <a14:useLocalDpi xmlns:a14="http://schemas.microsoft.com/office/drawing/2010/main" val="0"/>
+              </a:ext>
+            </a:extLst>
+          </a:blip>
+          <a:stretch>
+            <a:fillRect/>
+          </a:stretch>
+        </p:blipFill>
+        <p:spPr>
+          <a:xfrm>
+            <a:off x="6503435" y="1665496"/>
+            <a:ext cx="609524" cy="609524"/>
+          </a:xfrm>
+          <a:prstGeom prst="rect">
+            <a:avLst/>
+          </a:prstGeom>
+        </p:spPr>
+      </p:pic>
+      <p:sp>
+        <p:nvSpPr>
+          <p:cNvPr id="17" name="Chord 16">
+            <a:extLst>
+              <a:ext uri="{FF2B5EF4-FFF2-40B4-BE49-F238E27FC236}">
+                <a16:creationId xmlns:a16="http://schemas.microsoft.com/office/drawing/2014/main" id="{BC7554B1-94BC-431C-993C-AC5E841DC3CE}"/>
+              </a:ext>
+            </a:extLst>
+          </p:cNvPr>
+          <p:cNvSpPr/>
+          <p:nvPr/>
+        </p:nvSpPr>
+        <p:spPr>
+          <a:xfrm rot="16200000">
+            <a:off x="6570872" y="4005620"/>
+            <a:ext cx="474649" cy="474649"/>
+          </a:xfrm>
+          <a:prstGeom prst="chord">
+            <a:avLst>
+              <a:gd name="adj1" fmla="val 5280221"/>
+              <a:gd name="adj2" fmla="val 16200000"/>
+            </a:avLst>
+          </a:prstGeom>
+          <a:solidFill>
+            <a:srgbClr val="DBDBDB">
+              <a:alpha val="69020"/>
+            </a:srgbClr>
+          </a:solidFill>
+          <a:ln>
+            <a:noFill/>
+          </a:ln>
+        </p:spPr>
+        <p:style>
+          <a:lnRef idx="2">
+            <a:schemeClr val="accent1">
+              <a:shade val="50000"/>
+            </a:schemeClr>
+          </a:lnRef>
+          <a:fillRef idx="1">
+            <a:schemeClr val="accent1"/>
+          </a:fillRef>
+          <a:effectRef idx="0">
+            <a:schemeClr val="accent1"/>
+          </a:effectRef>
+          <a:fontRef idx="minor">
+            <a:schemeClr val="lt1"/>
+          </a:fontRef>
+        </p:style>
+        <p:txBody>
+          <a:bodyPr rtlCol="0" anchor="ctr"/>
+          <a:lstStyle/>
+          <a:p>
+            <a:pPr algn="ctr"/>
+            <a:endParaRPr lang="en-US"/>
+          </a:p>
+        </p:txBody>
+      </p:sp>
+      <p:pic>
+        <p:nvPicPr>
+          <p:cNvPr id="20" name="Picture 19">
+            <a:extLst>
+              <a:ext uri="{FF2B5EF4-FFF2-40B4-BE49-F238E27FC236}">
+                <a16:creationId xmlns:a16="http://schemas.microsoft.com/office/drawing/2014/main" id="{4B78F6B4-9381-4F1D-A287-D1B2699C139E}"/>
+              </a:ext>
+            </a:extLst>
+          </p:cNvPr>
+          <p:cNvPicPr>
+            <a:picLocks noChangeAspect="1"/>
+          </p:cNvPicPr>
+          <p:nvPr/>
+        </p:nvPicPr>
+        <p:blipFill>
+          <a:blip r:embed="rId3">
+            <a:extLst>
+              <a:ext uri="{BEBA8EAE-BF5A-486C-A8C5-ECC9F3942E4B}">
+                <a14:imgProps xmlns:a14="http://schemas.microsoft.com/office/drawing/2010/main">
+                  <a14:imgLayer r:embed="rId4">
+                    <a14:imgEffect>
+                      <a14:brightnessContrast bright="40000" contrast="-40000"/>
+                    </a14:imgEffect>
+                  </a14:imgLayer>
+                </a14:imgProps>
+              </a:ext>
+              <a:ext uri="{28A0092B-C50C-407E-A947-70E740481C1C}">
+                <a14:useLocalDpi xmlns:a14="http://schemas.microsoft.com/office/drawing/2010/main" val="0"/>
+              </a:ext>
+            </a:extLst>
+          </a:blip>
+          <a:stretch>
+            <a:fillRect/>
+          </a:stretch>
+        </p:blipFill>
+        <p:spPr>
+          <a:xfrm>
+            <a:off x="5863383" y="1970258"/>
+            <a:ext cx="204907" cy="204907"/>
+          </a:xfrm>
+          <a:prstGeom prst="rect">
+            <a:avLst/>
+          </a:prstGeom>
+        </p:spPr>
+      </p:pic>
+      <p:pic>
+        <p:nvPicPr>
+          <p:cNvPr id="24" name="Picture 23">
+            <a:extLst>
+              <a:ext uri="{FF2B5EF4-FFF2-40B4-BE49-F238E27FC236}">
+                <a16:creationId xmlns:a16="http://schemas.microsoft.com/office/drawing/2014/main" id="{F76F3DF8-C310-431B-8C09-2DE5E8E314E2}"/>
+              </a:ext>
+            </a:extLst>
+          </p:cNvPr>
+          <p:cNvPicPr>
+            <a:picLocks noChangeAspect="1"/>
+          </p:cNvPicPr>
+          <p:nvPr/>
+        </p:nvPicPr>
+        <p:blipFill>
+          <a:blip r:embed="rId3">
+            <a:duotone>
+              <a:schemeClr val="accent3">
+                <a:shade val="45000"/>
+                <a:satMod val="135000"/>
+              </a:schemeClr>
+              <a:prstClr val="white"/>
+            </a:duotone>
+            <a:extLst>
+              <a:ext uri="{BEBA8EAE-BF5A-486C-A8C5-ECC9F3942E4B}">
+                <a14:imgProps xmlns:a14="http://schemas.microsoft.com/office/drawing/2010/main">
+                  <a14:imgLayer r:embed="rId4">
+                    <a14:imgEffect>
+                      <a14:brightnessContrast bright="40000" contrast="-40000"/>
+                    </a14:imgEffect>
+                  </a14:imgLayer>
+                </a14:imgProps>
+              </a:ext>
+              <a:ext uri="{28A0092B-C50C-407E-A947-70E740481C1C}">
+                <a14:useLocalDpi xmlns:a14="http://schemas.microsoft.com/office/drawing/2010/main" val="0"/>
+              </a:ext>
+            </a:extLst>
+          </a:blip>
+          <a:stretch>
+            <a:fillRect/>
+          </a:stretch>
+        </p:blipFill>
+        <p:spPr>
+          <a:xfrm>
+            <a:off x="6705741" y="4244911"/>
+            <a:ext cx="204907" cy="204907"/>
+          </a:xfrm>
+          <a:prstGeom prst="rect">
+            <a:avLst/>
+          </a:prstGeom>
+        </p:spPr>
+      </p:pic>
+      <p:sp>
+        <p:nvSpPr>
+          <p:cNvPr id="25" name="Chord 24">
+            <a:extLst>
+              <a:ext uri="{FF2B5EF4-FFF2-40B4-BE49-F238E27FC236}">
+                <a16:creationId xmlns:a16="http://schemas.microsoft.com/office/drawing/2014/main" id="{8752FCAC-38F0-42C0-9D8F-459F51CFA06A}"/>
+              </a:ext>
+            </a:extLst>
+          </p:cNvPr>
+          <p:cNvSpPr/>
+          <p:nvPr/>
+        </p:nvSpPr>
+        <p:spPr>
+          <a:xfrm rot="5400000" flipV="1">
+            <a:off x="6570871" y="4005620"/>
+            <a:ext cx="474649" cy="474649"/>
+          </a:xfrm>
+          <a:prstGeom prst="chord">
+            <a:avLst>
+              <a:gd name="adj1" fmla="val 5280221"/>
+              <a:gd name="adj2" fmla="val 16200000"/>
+            </a:avLst>
+          </a:prstGeom>
+          <a:noFill/>
+          <a:ln>
+            <a:noFill/>
+          </a:ln>
+        </p:spPr>
+        <p:style>
+          <a:lnRef idx="2">
+            <a:schemeClr val="accent1">
+              <a:shade val="50000"/>
+            </a:schemeClr>
+          </a:lnRef>
+          <a:fillRef idx="1">
+            <a:schemeClr val="accent1"/>
+          </a:fillRef>
+          <a:effectRef idx="0">
+            <a:schemeClr val="accent1"/>
+          </a:effectRef>
+          <a:fontRef idx="minor">
+            <a:schemeClr val="lt1"/>
+          </a:fontRef>
+        </p:style>
+        <p:txBody>
+          <a:bodyPr rtlCol="0" anchor="ctr"/>
+          <a:lstStyle/>
+          <a:p>
+            <a:pPr algn="ctr"/>
+            <a:endParaRPr lang="en-US"/>
           </a:p>
         </p:txBody>
       </p:sp>
